--- a/brWheel_my/Firmware-v16x pinout.pptx
+++ b/brWheel_my/Firmware-v16x pinout.pptx
@@ -243,7 +243,7 @@
           <a:p>
             <a:fld id="{A398FB1A-F8C3-427F-BE44-B87966AC4D7F}" type="datetimeFigureOut">
               <a:rPr lang="en-US" smtClean="0"/>
-              <a:t>05-Dec-21</a:t>
+              <a:t>13-Dec-21</a:t>
             </a:fld>
             <a:endParaRPr lang="en-US"/>
           </a:p>
@@ -413,7 +413,7 @@
           <a:p>
             <a:fld id="{A398FB1A-F8C3-427F-BE44-B87966AC4D7F}" type="datetimeFigureOut">
               <a:rPr lang="en-US" smtClean="0"/>
-              <a:t>05-Dec-21</a:t>
+              <a:t>13-Dec-21</a:t>
             </a:fld>
             <a:endParaRPr lang="en-US"/>
           </a:p>
@@ -593,7 +593,7 @@
           <a:p>
             <a:fld id="{A398FB1A-F8C3-427F-BE44-B87966AC4D7F}" type="datetimeFigureOut">
               <a:rPr lang="en-US" smtClean="0"/>
-              <a:t>05-Dec-21</a:t>
+              <a:t>13-Dec-21</a:t>
             </a:fld>
             <a:endParaRPr lang="en-US"/>
           </a:p>
@@ -763,7 +763,7 @@
           <a:p>
             <a:fld id="{A398FB1A-F8C3-427F-BE44-B87966AC4D7F}" type="datetimeFigureOut">
               <a:rPr lang="en-US" smtClean="0"/>
-              <a:t>05-Dec-21</a:t>
+              <a:t>13-Dec-21</a:t>
             </a:fld>
             <a:endParaRPr lang="en-US"/>
           </a:p>
@@ -1009,7 +1009,7 @@
           <a:p>
             <a:fld id="{A398FB1A-F8C3-427F-BE44-B87966AC4D7F}" type="datetimeFigureOut">
               <a:rPr lang="en-US" smtClean="0"/>
-              <a:t>05-Dec-21</a:t>
+              <a:t>13-Dec-21</a:t>
             </a:fld>
             <a:endParaRPr lang="en-US"/>
           </a:p>
@@ -1241,7 +1241,7 @@
           <a:p>
             <a:fld id="{A398FB1A-F8C3-427F-BE44-B87966AC4D7F}" type="datetimeFigureOut">
               <a:rPr lang="en-US" smtClean="0"/>
-              <a:t>05-Dec-21</a:t>
+              <a:t>13-Dec-21</a:t>
             </a:fld>
             <a:endParaRPr lang="en-US"/>
           </a:p>
@@ -1608,7 +1608,7 @@
           <a:p>
             <a:fld id="{A398FB1A-F8C3-427F-BE44-B87966AC4D7F}" type="datetimeFigureOut">
               <a:rPr lang="en-US" smtClean="0"/>
-              <a:t>05-Dec-21</a:t>
+              <a:t>13-Dec-21</a:t>
             </a:fld>
             <a:endParaRPr lang="en-US"/>
           </a:p>
@@ -1726,7 +1726,7 @@
           <a:p>
             <a:fld id="{A398FB1A-F8C3-427F-BE44-B87966AC4D7F}" type="datetimeFigureOut">
               <a:rPr lang="en-US" smtClean="0"/>
-              <a:t>05-Dec-21</a:t>
+              <a:t>13-Dec-21</a:t>
             </a:fld>
             <a:endParaRPr lang="en-US"/>
           </a:p>
@@ -1821,7 +1821,7 @@
           <a:p>
             <a:fld id="{A398FB1A-F8C3-427F-BE44-B87966AC4D7F}" type="datetimeFigureOut">
               <a:rPr lang="en-US" smtClean="0"/>
-              <a:t>05-Dec-21</a:t>
+              <a:t>13-Dec-21</a:t>
             </a:fld>
             <a:endParaRPr lang="en-US"/>
           </a:p>
@@ -2098,7 +2098,7 @@
           <a:p>
             <a:fld id="{A398FB1A-F8C3-427F-BE44-B87966AC4D7F}" type="datetimeFigureOut">
               <a:rPr lang="en-US" smtClean="0"/>
-              <a:t>05-Dec-21</a:t>
+              <a:t>13-Dec-21</a:t>
             </a:fld>
             <a:endParaRPr lang="en-US"/>
           </a:p>
@@ -2351,7 +2351,7 @@
           <a:p>
             <a:fld id="{A398FB1A-F8C3-427F-BE44-B87966AC4D7F}" type="datetimeFigureOut">
               <a:rPr lang="en-US" smtClean="0"/>
-              <a:t>05-Dec-21</a:t>
+              <a:t>13-Dec-21</a:t>
             </a:fld>
             <a:endParaRPr lang="en-US"/>
           </a:p>
@@ -2564,7 +2564,7 @@
           <a:p>
             <a:fld id="{A398FB1A-F8C3-427F-BE44-B87966AC4D7F}" type="datetimeFigureOut">
               <a:rPr lang="en-US" smtClean="0"/>
-              <a:t>05-Dec-21</a:t>
+              <a:t>13-Dec-21</a:t>
             </a:fld>
             <a:endParaRPr lang="en-US"/>
           </a:p>
@@ -3067,7 +3067,6 @@
               <a:rPr lang="en-US" dirty="0" smtClean="0"/>
               <a:t>)</a:t>
             </a:r>
-            <a:endParaRPr lang="en-US" dirty="0" smtClean="0"/>
           </a:p>
           <a:p>
             <a:r>
@@ -3090,36 +3089,36 @@
               <a:rPr lang="en-US" dirty="0" smtClean="0"/>
               <a:t>)</a:t>
             </a:r>
+          </a:p>
+          <a:p>
+            <a:r>
+              <a:rPr lang="en-US" dirty="0" smtClean="0"/>
+              <a:t>A3 - handbrake pot (if LC - then </a:t>
+            </a:r>
+            <a:r>
+              <a:rPr lang="en-US" dirty="0" smtClean="0"/>
+              <a:t>button0)</a:t>
+            </a:r>
             <a:endParaRPr lang="en-US" dirty="0" smtClean="0"/>
           </a:p>
           <a:p>
             <a:r>
               <a:rPr lang="en-US" dirty="0" smtClean="0"/>
-              <a:t>A3 - handbrake </a:t>
-            </a:r>
-            <a:r>
-              <a:rPr lang="en-US" dirty="0" smtClean="0"/>
-              <a:t>pot (if LC - then unused)</a:t>
+              <a:t>A4, A5 - buttons 1,2 </a:t>
+            </a:r>
+            <a:r>
+              <a:rPr lang="en-US" smtClean="0"/>
+              <a:t>(</a:t>
+            </a:r>
+            <a:r>
+              <a:rPr lang="en-US" smtClean="0"/>
+              <a:t>fw-v160)</a:t>
             </a:r>
             <a:endParaRPr lang="en-US" dirty="0" smtClean="0"/>
           </a:p>
           <a:p>
             <a:r>
               <a:rPr lang="en-US" dirty="0" smtClean="0"/>
-              <a:t>A4, A5 - buttons 1,2 (fw</a:t>
-            </a:r>
-            <a:r>
-              <a:rPr lang="en-US" dirty="0"/>
-              <a:t>-</a:t>
-            </a:r>
-            <a:r>
-              <a:rPr lang="en-US" dirty="0" smtClean="0"/>
-              <a:t>v160 only)</a:t>
-            </a:r>
-          </a:p>
-          <a:p>
-            <a:r>
-              <a:rPr lang="en-US" dirty="0" smtClean="0"/>
               <a:t>RX - channel A optical encoder</a:t>
             </a:r>
           </a:p>
@@ -3144,24 +3143,14 @@
           <a:p>
             <a:r>
               <a:rPr lang="en-US" dirty="0" smtClean="0"/>
-              <a:t>4 - DT pin for HX711 (</a:t>
-            </a:r>
-            <a:r>
-              <a:rPr lang="en-US" dirty="0" smtClean="0"/>
-              <a:t>LC)</a:t>
-            </a:r>
-            <a:endParaRPr lang="en-US" dirty="0" smtClean="0"/>
-          </a:p>
-          <a:p>
-            <a:r>
-              <a:rPr lang="en-US" dirty="0" smtClean="0"/>
-              <a:t>5 - CLK pin for HX711 (</a:t>
-            </a:r>
-            <a:r>
-              <a:rPr lang="en-US" dirty="0" smtClean="0"/>
-              <a:t>LC)</a:t>
-            </a:r>
-            <a:endParaRPr lang="en-US" dirty="0" smtClean="0"/>
+              <a:t>4 - DT pin for HX711 (LC)</a:t>
+            </a:r>
+          </a:p>
+          <a:p>
+            <a:r>
+              <a:rPr lang="en-US" dirty="0" smtClean="0"/>
+              <a:t>5 - CLK pin for HX711 (LC)</a:t>
+            </a:r>
           </a:p>
           <a:p>
             <a:r>
@@ -3210,17 +3199,18 @@
           <a:p>
             <a:r>
               <a:rPr lang="en-US" dirty="0" smtClean="0"/>
-              <a:t>12 - unused</a:t>
-            </a:r>
-          </a:p>
-          <a:p>
-            <a:r>
-              <a:rPr lang="en-US" dirty="0" smtClean="0"/>
-              <a:t>13 - FFB clipping </a:t>
-            </a:r>
-            <a:r>
-              <a:rPr lang="en-US" dirty="0" smtClean="0"/>
-              <a:t>LED</a:t>
+              <a:t>12 - </a:t>
+            </a:r>
+            <a:r>
+              <a:rPr lang="en-US" dirty="0" smtClean="0"/>
+              <a:t>button3</a:t>
+            </a:r>
+            <a:endParaRPr lang="en-US" dirty="0" smtClean="0"/>
+          </a:p>
+          <a:p>
+            <a:r>
+              <a:rPr lang="en-US" dirty="0" smtClean="0"/>
+              <a:t>13 - FFB clipping LED</a:t>
             </a:r>
           </a:p>
           <a:p>
@@ -3228,7 +3218,6 @@
               <a:rPr lang="en-US" dirty="0" smtClean="0"/>
               <a:t>LC - load cell with HX711</a:t>
             </a:r>
-            <a:endParaRPr lang="en-US" dirty="0" smtClean="0"/>
           </a:p>
           <a:p>
             <a:endParaRPr lang="en-US" dirty="0"/>
@@ -3333,7 +3322,7 @@
         <p:spPr>
           <a:xfrm>
             <a:off x="3359004" y="4529250"/>
-            <a:ext cx="3520516" cy="1754326"/>
+            <a:ext cx="3615092" cy="2031325"/>
           </a:xfrm>
           <a:prstGeom prst="rect">
             <a:avLst/>
@@ -3385,13 +3374,32 @@
             </a:r>
             <a:r>
               <a:rPr lang="en-US" dirty="0" smtClean="0"/>
-              <a:t>fw-v160 only)</a:t>
-            </a:r>
-          </a:p>
-          <a:p>
-            <a:r>
-              <a:rPr lang="en-US" dirty="0" smtClean="0"/>
-              <a:t>15 - button2 (fw-v160 only)</a:t>
+              <a:t>fw-v160)</a:t>
+            </a:r>
+            <a:endParaRPr lang="en-US" dirty="0" smtClean="0"/>
+          </a:p>
+          <a:p>
+            <a:r>
+              <a:rPr lang="en-US" dirty="0" smtClean="0"/>
+              <a:t>15 - button2 (</a:t>
+            </a:r>
+            <a:r>
+              <a:rPr lang="en-US" dirty="0" smtClean="0"/>
+              <a:t>fw-v160)</a:t>
+            </a:r>
+          </a:p>
+          <a:p>
+            <a:r>
+              <a:rPr lang="en-US" dirty="0" smtClean="0"/>
+              <a:t>2 - button3 (</a:t>
+            </a:r>
+            <a:r>
+              <a:rPr lang="en-US" dirty="0"/>
+              <a:t>if no </a:t>
+            </a:r>
+            <a:r>
+              <a:rPr lang="en-US" dirty="0" smtClean="0"/>
+              <a:t>ADS1105, fw-v160)</a:t>
             </a:r>
             <a:endParaRPr lang="en-US" dirty="0"/>
           </a:p>
